--- a/other/project.pptx
+++ b/other/project.pptx
@@ -107,6 +107,11 @@
       </a:defRPr>
     </a:lvl9pPr>
   </p:defaultTextStyle>
+  <p:extLst>
+    <p:ext uri="{EFAFB233-063F-42B5-8137-9DF3F51BA10A}">
+      <p15:sldGuideLst xmlns:p15="http://schemas.microsoft.com/office/powerpoint/2012/main"/>
+    </p:ext>
+  </p:extLst>
 </p:presentation>
 </file>
 
@@ -278,7 +283,7 @@
           <a:p>
             <a:fld id="{6DF63A10-D87C-45F9-BC84-A2DDF2E88E12}" type="datetimeFigureOut">
               <a:rPr lang="ru-RU" smtClean="0"/>
-              <a:t>19.12.2022</a:t>
+              <a:t>27.01.2023</a:t>
             </a:fld>
             <a:endParaRPr lang="ru-RU"/>
           </a:p>
@@ -506,7 +511,7 @@
           <a:p>
             <a:fld id="{6DF63A10-D87C-45F9-BC84-A2DDF2E88E12}" type="datetimeFigureOut">
               <a:rPr lang="ru-RU" smtClean="0"/>
-              <a:t>19.12.2022</a:t>
+              <a:t>27.01.2023</a:t>
             </a:fld>
             <a:endParaRPr lang="ru-RU"/>
           </a:p>
@@ -686,7 +691,7 @@
           <a:p>
             <a:fld id="{6DF63A10-D87C-45F9-BC84-A2DDF2E88E12}" type="datetimeFigureOut">
               <a:rPr lang="ru-RU" smtClean="0"/>
-              <a:t>19.12.2022</a:t>
+              <a:t>27.01.2023</a:t>
             </a:fld>
             <a:endParaRPr lang="ru-RU"/>
           </a:p>
@@ -856,7 +861,7 @@
           <a:p>
             <a:fld id="{6DF63A10-D87C-45F9-BC84-A2DDF2E88E12}" type="datetimeFigureOut">
               <a:rPr lang="ru-RU" smtClean="0"/>
-              <a:t>19.12.2022</a:t>
+              <a:t>27.01.2023</a:t>
             </a:fld>
             <a:endParaRPr lang="ru-RU"/>
           </a:p>
@@ -1110,7 +1115,7 @@
           <a:p>
             <a:fld id="{6DF63A10-D87C-45F9-BC84-A2DDF2E88E12}" type="datetimeFigureOut">
               <a:rPr lang="ru-RU" smtClean="0"/>
-              <a:t>19.12.2022</a:t>
+              <a:t>27.01.2023</a:t>
             </a:fld>
             <a:endParaRPr lang="ru-RU"/>
           </a:p>
@@ -1436,7 +1441,7 @@
           <a:p>
             <a:fld id="{6DF63A10-D87C-45F9-BC84-A2DDF2E88E12}" type="datetimeFigureOut">
               <a:rPr lang="ru-RU" smtClean="0"/>
-              <a:t>19.12.2022</a:t>
+              <a:t>27.01.2023</a:t>
             </a:fld>
             <a:endParaRPr lang="ru-RU"/>
           </a:p>
@@ -1887,7 +1892,7 @@
           <a:p>
             <a:fld id="{6DF63A10-D87C-45F9-BC84-A2DDF2E88E12}" type="datetimeFigureOut">
               <a:rPr lang="ru-RU" smtClean="0"/>
-              <a:t>19.12.2022</a:t>
+              <a:t>27.01.2023</a:t>
             </a:fld>
             <a:endParaRPr lang="ru-RU"/>
           </a:p>
@@ -2005,7 +2010,7 @@
           <a:p>
             <a:fld id="{6DF63A10-D87C-45F9-BC84-A2DDF2E88E12}" type="datetimeFigureOut">
               <a:rPr lang="ru-RU" smtClean="0"/>
-              <a:t>19.12.2022</a:t>
+              <a:t>27.01.2023</a:t>
             </a:fld>
             <a:endParaRPr lang="ru-RU"/>
           </a:p>
@@ -2100,7 +2105,7 @@
           <a:p>
             <a:fld id="{6DF63A10-D87C-45F9-BC84-A2DDF2E88E12}" type="datetimeFigureOut">
               <a:rPr lang="ru-RU" smtClean="0"/>
-              <a:t>19.12.2022</a:t>
+              <a:t>27.01.2023</a:t>
             </a:fld>
             <a:endParaRPr lang="ru-RU"/>
           </a:p>
@@ -2387,7 +2392,7 @@
           <a:p>
             <a:fld id="{6DF63A10-D87C-45F9-BC84-A2DDF2E88E12}" type="datetimeFigureOut">
               <a:rPr lang="ru-RU" smtClean="0"/>
-              <a:t>19.12.2022</a:t>
+              <a:t>27.01.2023</a:t>
             </a:fld>
             <a:endParaRPr lang="ru-RU"/>
           </a:p>
@@ -2709,7 +2714,7 @@
           <a:p>
             <a:fld id="{6DF63A10-D87C-45F9-BC84-A2DDF2E88E12}" type="datetimeFigureOut">
               <a:rPr lang="ru-RU" smtClean="0"/>
-              <a:t>19.12.2022</a:t>
+              <a:t>27.01.2023</a:t>
             </a:fld>
             <a:endParaRPr lang="ru-RU"/>
           </a:p>
@@ -2963,7 +2968,7 @@
           <a:p>
             <a:fld id="{6DF63A10-D87C-45F9-BC84-A2DDF2E88E12}" type="datetimeFigureOut">
               <a:rPr lang="ru-RU" smtClean="0"/>
-              <a:t>19.12.2022</a:t>
+              <a:t>27.01.2023</a:t>
             </a:fld>
             <a:endParaRPr lang="ru-RU"/>
           </a:p>
@@ -3913,12 +3918,102 @@
             <p:ph idx="1"/>
           </p:nvPr>
         </p:nvSpPr>
-        <p:spPr/>
-        <p:txBody>
-          <a:bodyPr/>
-          <a:lstStyle/>
-          <a:p>
-            <a:endParaRPr lang="ru-RU" dirty="0"/>
+        <p:spPr>
+          <a:xfrm>
+            <a:off x="1261871" y="2105891"/>
+            <a:ext cx="8694929" cy="4074246"/>
+          </a:xfrm>
+        </p:spPr>
+        <p:txBody>
+          <a:bodyPr/>
+          <a:lstStyle/>
+          <a:p>
+            <a:pPr lvl="1">
+              <a:buFont typeface="Courier New" panose="02070309020205020404" pitchFamily="49" charset="0"/>
+              <a:buChar char="o"/>
+            </a:pPr>
+            <a:r>
+              <a:rPr lang="ru-RU" b="0" dirty="0">
+                <a:effectLst/>
+                <a:latin typeface="Consolas" panose="020B0609020204030204" pitchFamily="49" charset="0"/>
+              </a:rPr>
+              <a:t> Мы сделали 2 уровня.</a:t>
+            </a:r>
+          </a:p>
+          <a:p>
+            <a:pPr lvl="1">
+              <a:buFont typeface="Courier New" panose="02070309020205020404" pitchFamily="49" charset="0"/>
+              <a:buChar char="o"/>
+            </a:pPr>
+            <a:endParaRPr lang="ru-RU" b="0" dirty="0">
+              <a:effectLst/>
+              <a:latin typeface="Consolas" panose="020B0609020204030204" pitchFamily="49" charset="0"/>
+            </a:endParaRPr>
+          </a:p>
+          <a:p>
+            <a:pPr lvl="1">
+              <a:buFont typeface="Courier New" panose="02070309020205020404" pitchFamily="49" charset="0"/>
+              <a:buChar char="o"/>
+            </a:pPr>
+            <a:r>
+              <a:rPr lang="ru-RU" b="0" dirty="0">
+                <a:effectLst/>
+                <a:latin typeface="Consolas" panose="020B0609020204030204" pitchFamily="49" charset="0"/>
+              </a:rPr>
+              <a:t> Создали одного основного персонажа.</a:t>
+            </a:r>
+          </a:p>
+          <a:p>
+            <a:pPr marL="274320" lvl="1" indent="0">
+              <a:buNone/>
+            </a:pPr>
+            <a:endParaRPr lang="ru-RU" b="0" dirty="0">
+              <a:effectLst/>
+              <a:latin typeface="Consolas" panose="020B0609020204030204" pitchFamily="49" charset="0"/>
+            </a:endParaRPr>
+          </a:p>
+          <a:p>
+            <a:pPr lvl="1">
+              <a:buFont typeface="Courier New" panose="02070309020205020404" pitchFamily="49" charset="0"/>
+              <a:buChar char="o"/>
+            </a:pPr>
+            <a:r>
+              <a:rPr lang="ru-RU" b="0">
+                <a:effectLst/>
+                <a:latin typeface="Consolas" panose="020B0609020204030204" pitchFamily="49" charset="0"/>
+              </a:rPr>
+              <a:t> Сделали вывод результатов </a:t>
+            </a:r>
+            <a:r>
+              <a:rPr lang="ru-RU" b="0" dirty="0">
+                <a:effectLst/>
+                <a:latin typeface="Consolas" panose="020B0609020204030204" pitchFamily="49" charset="0"/>
+              </a:rPr>
+              <a:t>после смерти персонажа или завершения уровня на конечном окне.</a:t>
+            </a:r>
+          </a:p>
+          <a:p>
+            <a:pPr lvl="1">
+              <a:buFont typeface="Courier New" panose="02070309020205020404" pitchFamily="49" charset="0"/>
+              <a:buChar char="o"/>
+            </a:pPr>
+            <a:endParaRPr lang="ru-RU" b="0" dirty="0">
+              <a:effectLst/>
+              <a:latin typeface="Consolas" panose="020B0609020204030204" pitchFamily="49" charset="0"/>
+            </a:endParaRPr>
+          </a:p>
+          <a:p>
+            <a:pPr lvl="1">
+              <a:buFont typeface="Courier New" panose="02070309020205020404" pitchFamily="49" charset="0"/>
+              <a:buChar char="o"/>
+            </a:pPr>
+            <a:r>
+              <a:rPr lang="ru-RU" b="0" dirty="0">
+                <a:effectLst/>
+                <a:latin typeface="Consolas" panose="020B0609020204030204" pitchFamily="49" charset="0"/>
+              </a:rPr>
+              <a:t> Создали таблицу лидеров для записи рекордов.</a:t>
+            </a:r>
           </a:p>
         </p:txBody>
       </p:sp>
